--- a/docs/Pres.pptx
+++ b/docs/Pres.pptx
@@ -17,7 +17,8 @@
     <p:sldId id="267" r:id="rId11"/>
     <p:sldId id="268" r:id="rId12"/>
     <p:sldId id="263" r:id="rId13"/>
-    <p:sldId id="264" r:id="rId14"/>
+    <p:sldId id="269" r:id="rId14"/>
+    <p:sldId id="264" r:id="rId15"/>
   </p:sldIdLst>
   <p:sldSz cx="12192000" cy="6858000"/>
   <p:notesSz cx="6858000" cy="9144000"/>
@@ -116,6 +117,11 @@
       </a:defRPr>
     </a:lvl9pPr>
   </p:defaultTextStyle>
+  <p:extLst>
+    <p:ext uri="{EFAFB233-063F-42B5-8137-9DF3F51BA10A}">
+      <p15:sldGuideLst xmlns:p15="http://schemas.microsoft.com/office/powerpoint/2012/main"/>
+    </p:ext>
+  </p:extLst>
 </p:presentation>
 </file>
 
@@ -310,7 +316,7 @@
           <a:p>
             <a:fld id="{FE3A95D5-F2B9-42F8-8912-B870847ACF91}" type="datetimeFigureOut">
               <a:rPr lang="en-US" smtClean="0"/>
-              <a:t>4/16/2017</a:t>
+              <a:t>4/17/2017</a:t>
             </a:fld>
             <a:endParaRPr lang="en-US"/>
           </a:p>
@@ -520,7 +526,7 @@
           <a:p>
             <a:fld id="{FE3A95D5-F2B9-42F8-8912-B870847ACF91}" type="datetimeFigureOut">
               <a:rPr lang="en-US" smtClean="0"/>
-              <a:t>4/16/2017</a:t>
+              <a:t>4/17/2017</a:t>
             </a:fld>
             <a:endParaRPr lang="en-US"/>
           </a:p>
@@ -700,7 +706,7 @@
           <a:p>
             <a:fld id="{FE3A95D5-F2B9-42F8-8912-B870847ACF91}" type="datetimeFigureOut">
               <a:rPr lang="en-US" smtClean="0"/>
-              <a:t>4/16/2017</a:t>
+              <a:t>4/17/2017</a:t>
             </a:fld>
             <a:endParaRPr lang="en-US"/>
           </a:p>
@@ -870,7 +876,7 @@
           <a:p>
             <a:fld id="{FE3A95D5-F2B9-42F8-8912-B870847ACF91}" type="datetimeFigureOut">
               <a:rPr lang="en-US" smtClean="0"/>
-              <a:t>4/16/2017</a:t>
+              <a:t>4/17/2017</a:t>
             </a:fld>
             <a:endParaRPr lang="en-US"/>
           </a:p>
@@ -1124,7 +1130,7 @@
           <a:p>
             <a:fld id="{FE3A95D5-F2B9-42F8-8912-B870847ACF91}" type="datetimeFigureOut">
               <a:rPr lang="en-US" smtClean="0"/>
-              <a:t>4/16/2017</a:t>
+              <a:t>4/17/2017</a:t>
             </a:fld>
             <a:endParaRPr lang="en-US"/>
           </a:p>
@@ -1450,7 +1456,7 @@
           <a:p>
             <a:fld id="{FE3A95D5-F2B9-42F8-8912-B870847ACF91}" type="datetimeFigureOut">
               <a:rPr lang="en-US" smtClean="0"/>
-              <a:t>4/16/2017</a:t>
+              <a:t>4/17/2017</a:t>
             </a:fld>
             <a:endParaRPr lang="en-US"/>
           </a:p>
@@ -1901,7 +1907,7 @@
           <a:p>
             <a:fld id="{FE3A95D5-F2B9-42F8-8912-B870847ACF91}" type="datetimeFigureOut">
               <a:rPr lang="en-US" smtClean="0"/>
-              <a:t>4/16/2017</a:t>
+              <a:t>4/17/2017</a:t>
             </a:fld>
             <a:endParaRPr lang="en-US"/>
           </a:p>
@@ -2019,7 +2025,7 @@
           <a:p>
             <a:fld id="{FE3A95D5-F2B9-42F8-8912-B870847ACF91}" type="datetimeFigureOut">
               <a:rPr lang="en-US" smtClean="0"/>
-              <a:t>4/16/2017</a:t>
+              <a:t>4/17/2017</a:t>
             </a:fld>
             <a:endParaRPr lang="en-US"/>
           </a:p>
@@ -2114,7 +2120,7 @@
           <a:p>
             <a:fld id="{FE3A95D5-F2B9-42F8-8912-B870847ACF91}" type="datetimeFigureOut">
               <a:rPr lang="en-US" smtClean="0"/>
-              <a:t>4/16/2017</a:t>
+              <a:t>4/17/2017</a:t>
             </a:fld>
             <a:endParaRPr lang="en-US"/>
           </a:p>
@@ -2401,7 +2407,7 @@
           <a:p>
             <a:fld id="{FE3A95D5-F2B9-42F8-8912-B870847ACF91}" type="datetimeFigureOut">
               <a:rPr lang="en-US" smtClean="0"/>
-              <a:t>4/16/2017</a:t>
+              <a:t>4/17/2017</a:t>
             </a:fld>
             <a:endParaRPr lang="en-US"/>
           </a:p>
@@ -2719,7 +2725,7 @@
           <a:p>
             <a:fld id="{FE3A95D5-F2B9-42F8-8912-B870847ACF91}" type="datetimeFigureOut">
               <a:rPr lang="en-US" smtClean="0"/>
-              <a:t>4/16/2017</a:t>
+              <a:t>4/17/2017</a:t>
             </a:fld>
             <a:endParaRPr lang="en-US"/>
           </a:p>
@@ -2971,7 +2977,7 @@
           <a:p>
             <a:fld id="{FE3A95D5-F2B9-42F8-8912-B870847ACF91}" type="datetimeFigureOut">
               <a:rPr lang="en-US" smtClean="0"/>
-              <a:t>4/16/2017</a:t>
+              <a:t>4/17/2017</a:t>
             </a:fld>
             <a:endParaRPr lang="en-US"/>
           </a:p>
@@ -3486,12 +3492,24 @@
           <a:lstStyle/>
           <a:p>
             <a:pPr algn="ctr"/>
+            <a:r>
+              <a:rPr lang="en-US" b="1" dirty="0"/>
+              <a:t/>
+            </a:r>
             <a:br>
               <a:rPr lang="en-US" b="1" dirty="0"/>
             </a:br>
+            <a:r>
+              <a:rPr lang="en-US" b="1" dirty="0"/>
+              <a:t/>
+            </a:r>
             <a:br>
               <a:rPr lang="en-US" b="1" dirty="0"/>
             </a:br>
+            <a:r>
+              <a:rPr lang="en-US" b="1" dirty="0"/>
+              <a:t/>
+            </a:r>
             <a:br>
               <a:rPr lang="en-US" b="1" dirty="0"/>
             </a:br>
@@ -4053,6 +4071,78 @@
             <p:ph type="title"/>
           </p:nvPr>
         </p:nvSpPr>
+        <p:spPr/>
+        <p:txBody>
+          <a:bodyPr/>
+          <a:lstStyle/>
+          <a:p>
+            <a:r>
+              <a:rPr lang="en-US" dirty="0" smtClean="0"/>
+              <a:t>Summary</a:t>
+            </a:r>
+            <a:endParaRPr lang="en-US" dirty="0"/>
+          </a:p>
+        </p:txBody>
+      </p:sp>
+      <p:sp>
+        <p:nvSpPr>
+          <p:cNvPr id="3" name="Content Placeholder 2"/>
+          <p:cNvSpPr>
+            <a:spLocks noGrp="1"/>
+          </p:cNvSpPr>
+          <p:nvPr>
+            <p:ph idx="1"/>
+          </p:nvPr>
+        </p:nvSpPr>
+        <p:spPr/>
+        <p:txBody>
+          <a:bodyPr/>
+          <a:lstStyle/>
+          <a:p>
+            <a:endParaRPr lang="en-US"/>
+          </a:p>
+        </p:txBody>
+      </p:sp>
+    </p:spTree>
+    <p:extLst>
+      <p:ext uri="{BB962C8B-B14F-4D97-AF65-F5344CB8AC3E}">
+        <p14:creationId xmlns:p14="http://schemas.microsoft.com/office/powerpoint/2010/main" val="215823007"/>
+      </p:ext>
+    </p:extLst>
+  </p:cSld>
+  <p:clrMapOvr>
+    <a:masterClrMapping/>
+  </p:clrMapOvr>
+</p:sld>
+</file>
+
+<file path=ppt/slides/slide14.xml><?xml version="1.0" encoding="utf-8"?>
+<p:sld xmlns:a="http://schemas.openxmlformats.org/drawingml/2006/main" xmlns:r="http://schemas.openxmlformats.org/officeDocument/2006/relationships" xmlns:p="http://schemas.openxmlformats.org/presentationml/2006/main">
+  <p:cSld>
+    <p:spTree>
+      <p:nvGrpSpPr>
+        <p:cNvPr id="1" name=""/>
+        <p:cNvGrpSpPr/>
+        <p:nvPr/>
+      </p:nvGrpSpPr>
+      <p:grpSpPr>
+        <a:xfrm>
+          <a:off x="0" y="0"/>
+          <a:ext cx="0" cy="0"/>
+          <a:chOff x="0" y="0"/>
+          <a:chExt cx="0" cy="0"/>
+        </a:xfrm>
+      </p:grpSpPr>
+      <p:sp>
+        <p:nvSpPr>
+          <p:cNvPr id="2" name="Title 1"/>
+          <p:cNvSpPr>
+            <a:spLocks noGrp="1"/>
+          </p:cNvSpPr>
+          <p:nvPr>
+            <p:ph type="title"/>
+          </p:nvPr>
+        </p:nvSpPr>
         <p:spPr>
           <a:xfrm>
             <a:off x="2251686" y="2809187"/>
@@ -4163,13 +4253,6 @@
               </a:rPr>
               <a:t>An encryption and decryption mail system. </a:t>
             </a:r>
-            <a:endParaRPr lang="en-US" sz="2800" dirty="0">
-              <a:solidFill>
-                <a:schemeClr val="tx1"/>
-              </a:solidFill>
-              <a:latin typeface="Times New Roman" panose="02020603050405020304" pitchFamily="18" charset="0"/>
-              <a:cs typeface="Times New Roman" panose="02020603050405020304" pitchFamily="18" charset="0"/>
-            </a:endParaRPr>
           </a:p>
         </p:txBody>
       </p:sp>
@@ -4361,7 +4444,6 @@
               <a:rPr lang="en-US" dirty="0"/>
               <a:t>Packages</a:t>
             </a:r>
-            <a:endParaRPr lang="en-US" dirty="0"/>
           </a:p>
         </p:txBody>
       </p:sp>

--- a/docs/Pres.pptx
+++ b/docs/Pres.pptx
@@ -6,19 +6,21 @@
   </p:sldMasterIdLst>
   <p:sldIdLst>
     <p:sldId id="256" r:id="rId2"/>
-    <p:sldId id="257" r:id="rId3"/>
-    <p:sldId id="258" r:id="rId4"/>
-    <p:sldId id="260" r:id="rId5"/>
+    <p:sldId id="270" r:id="rId3"/>
+    <p:sldId id="257" r:id="rId4"/>
+    <p:sldId id="258" r:id="rId5"/>
     <p:sldId id="259" r:id="rId6"/>
-    <p:sldId id="261" r:id="rId7"/>
-    <p:sldId id="265" r:id="rId8"/>
-    <p:sldId id="266" r:id="rId9"/>
-    <p:sldId id="262" r:id="rId10"/>
-    <p:sldId id="267" r:id="rId11"/>
-    <p:sldId id="268" r:id="rId12"/>
-    <p:sldId id="263" r:id="rId13"/>
-    <p:sldId id="269" r:id="rId14"/>
-    <p:sldId id="264" r:id="rId15"/>
+    <p:sldId id="260" r:id="rId7"/>
+    <p:sldId id="271" r:id="rId8"/>
+    <p:sldId id="261" r:id="rId9"/>
+    <p:sldId id="265" r:id="rId10"/>
+    <p:sldId id="266" r:id="rId11"/>
+    <p:sldId id="262" r:id="rId12"/>
+    <p:sldId id="267" r:id="rId13"/>
+    <p:sldId id="268" r:id="rId14"/>
+    <p:sldId id="263" r:id="rId15"/>
+    <p:sldId id="269" r:id="rId16"/>
+    <p:sldId id="264" r:id="rId17"/>
   </p:sldIdLst>
   <p:sldSz cx="12192000" cy="6858000"/>
   <p:notesSz cx="6858000" cy="9144000"/>
@@ -318,7 +320,7 @@
               <a:rPr lang="en-US" smtClean="0"/>
               <a:t>4/17/2017</a:t>
             </a:fld>
-            <a:endParaRPr lang="en-US"/>
+            <a:endParaRPr lang="en-US" dirty="0"/>
           </a:p>
         </p:txBody>
       </p:sp>
@@ -337,7 +339,7 @@
           <a:bodyPr/>
           <a:lstStyle/>
           <a:p>
-            <a:endParaRPr lang="en-US"/>
+            <a:endParaRPr lang="en-US" dirty="0"/>
           </a:p>
         </p:txBody>
       </p:sp>
@@ -360,7 +362,7 @@
               <a:rPr lang="en-US" smtClean="0"/>
               <a:t>‹#›</a:t>
             </a:fld>
-            <a:endParaRPr lang="en-US"/>
+            <a:endParaRPr lang="en-US" dirty="0"/>
           </a:p>
         </p:txBody>
       </p:sp>
@@ -528,7 +530,7 @@
               <a:rPr lang="en-US" smtClean="0"/>
               <a:t>4/17/2017</a:t>
             </a:fld>
-            <a:endParaRPr lang="en-US"/>
+            <a:endParaRPr lang="en-US" dirty="0"/>
           </a:p>
         </p:txBody>
       </p:sp>
@@ -547,7 +549,7 @@
           <a:bodyPr/>
           <a:lstStyle/>
           <a:p>
-            <a:endParaRPr lang="en-US"/>
+            <a:endParaRPr lang="en-US" dirty="0"/>
           </a:p>
         </p:txBody>
       </p:sp>
@@ -570,7 +572,7 @@
               <a:rPr lang="en-US" smtClean="0"/>
               <a:t>‹#›</a:t>
             </a:fld>
-            <a:endParaRPr lang="en-US"/>
+            <a:endParaRPr lang="en-US" dirty="0"/>
           </a:p>
         </p:txBody>
       </p:sp>
@@ -708,7 +710,7 @@
               <a:rPr lang="en-US" smtClean="0"/>
               <a:t>4/17/2017</a:t>
             </a:fld>
-            <a:endParaRPr lang="en-US"/>
+            <a:endParaRPr lang="en-US" dirty="0"/>
           </a:p>
         </p:txBody>
       </p:sp>
@@ -727,7 +729,7 @@
           <a:bodyPr/>
           <a:lstStyle/>
           <a:p>
-            <a:endParaRPr lang="en-US"/>
+            <a:endParaRPr lang="en-US" dirty="0"/>
           </a:p>
         </p:txBody>
       </p:sp>
@@ -750,7 +752,7 @@
               <a:rPr lang="en-US" smtClean="0"/>
               <a:t>‹#›</a:t>
             </a:fld>
-            <a:endParaRPr lang="en-US"/>
+            <a:endParaRPr lang="en-US" dirty="0"/>
           </a:p>
         </p:txBody>
       </p:sp>
@@ -878,7 +880,7 @@
               <a:rPr lang="en-US" smtClean="0"/>
               <a:t>4/17/2017</a:t>
             </a:fld>
-            <a:endParaRPr lang="en-US"/>
+            <a:endParaRPr lang="en-US" dirty="0"/>
           </a:p>
         </p:txBody>
       </p:sp>
@@ -897,7 +899,7 @@
           <a:bodyPr/>
           <a:lstStyle/>
           <a:p>
-            <a:endParaRPr lang="en-US"/>
+            <a:endParaRPr lang="en-US" dirty="0"/>
           </a:p>
         </p:txBody>
       </p:sp>
@@ -920,7 +922,7 @@
               <a:rPr lang="en-US" smtClean="0"/>
               <a:t>‹#›</a:t>
             </a:fld>
-            <a:endParaRPr lang="en-US"/>
+            <a:endParaRPr lang="en-US" dirty="0"/>
           </a:p>
         </p:txBody>
       </p:sp>
@@ -1132,7 +1134,7 @@
               <a:rPr lang="en-US" smtClean="0"/>
               <a:t>4/17/2017</a:t>
             </a:fld>
-            <a:endParaRPr lang="en-US"/>
+            <a:endParaRPr lang="en-US" dirty="0"/>
           </a:p>
         </p:txBody>
       </p:sp>
@@ -1151,7 +1153,7 @@
           <a:bodyPr/>
           <a:lstStyle/>
           <a:p>
-            <a:endParaRPr lang="en-US"/>
+            <a:endParaRPr lang="en-US" dirty="0"/>
           </a:p>
         </p:txBody>
       </p:sp>
@@ -1174,7 +1176,7 @@
               <a:rPr lang="en-US" smtClean="0"/>
               <a:t>‹#›</a:t>
             </a:fld>
-            <a:endParaRPr lang="en-US"/>
+            <a:endParaRPr lang="en-US" dirty="0"/>
           </a:p>
         </p:txBody>
       </p:sp>
@@ -1458,7 +1460,7 @@
               <a:rPr lang="en-US" smtClean="0"/>
               <a:t>4/17/2017</a:t>
             </a:fld>
-            <a:endParaRPr lang="en-US"/>
+            <a:endParaRPr lang="en-US" dirty="0"/>
           </a:p>
         </p:txBody>
       </p:sp>
@@ -1477,7 +1479,7 @@
           <a:bodyPr/>
           <a:lstStyle/>
           <a:p>
-            <a:endParaRPr lang="en-US"/>
+            <a:endParaRPr lang="en-US" dirty="0"/>
           </a:p>
         </p:txBody>
       </p:sp>
@@ -1500,7 +1502,7 @@
               <a:rPr lang="en-US" smtClean="0"/>
               <a:t>‹#›</a:t>
             </a:fld>
-            <a:endParaRPr lang="en-US"/>
+            <a:endParaRPr lang="en-US" dirty="0"/>
           </a:p>
         </p:txBody>
       </p:sp>
@@ -1909,7 +1911,7 @@
               <a:rPr lang="en-US" smtClean="0"/>
               <a:t>4/17/2017</a:t>
             </a:fld>
-            <a:endParaRPr lang="en-US"/>
+            <a:endParaRPr lang="en-US" dirty="0"/>
           </a:p>
         </p:txBody>
       </p:sp>
@@ -1928,7 +1930,7 @@
           <a:bodyPr/>
           <a:lstStyle/>
           <a:p>
-            <a:endParaRPr lang="en-US"/>
+            <a:endParaRPr lang="en-US" dirty="0"/>
           </a:p>
         </p:txBody>
       </p:sp>
@@ -1951,7 +1953,7 @@
               <a:rPr lang="en-US" smtClean="0"/>
               <a:t>‹#›</a:t>
             </a:fld>
-            <a:endParaRPr lang="en-US"/>
+            <a:endParaRPr lang="en-US" dirty="0"/>
           </a:p>
         </p:txBody>
       </p:sp>
@@ -2027,7 +2029,7 @@
               <a:rPr lang="en-US" smtClean="0"/>
               <a:t>4/17/2017</a:t>
             </a:fld>
-            <a:endParaRPr lang="en-US"/>
+            <a:endParaRPr lang="en-US" dirty="0"/>
           </a:p>
         </p:txBody>
       </p:sp>
@@ -2046,7 +2048,7 @@
           <a:bodyPr/>
           <a:lstStyle/>
           <a:p>
-            <a:endParaRPr lang="en-US"/>
+            <a:endParaRPr lang="en-US" dirty="0"/>
           </a:p>
         </p:txBody>
       </p:sp>
@@ -2069,7 +2071,7 @@
               <a:rPr lang="en-US" smtClean="0"/>
               <a:t>‹#›</a:t>
             </a:fld>
-            <a:endParaRPr lang="en-US"/>
+            <a:endParaRPr lang="en-US" dirty="0"/>
           </a:p>
         </p:txBody>
       </p:sp>
@@ -2122,7 +2124,7 @@
               <a:rPr lang="en-US" smtClean="0"/>
               <a:t>4/17/2017</a:t>
             </a:fld>
-            <a:endParaRPr lang="en-US"/>
+            <a:endParaRPr lang="en-US" dirty="0"/>
           </a:p>
         </p:txBody>
       </p:sp>
@@ -2141,7 +2143,7 @@
           <a:bodyPr/>
           <a:lstStyle/>
           <a:p>
-            <a:endParaRPr lang="en-US"/>
+            <a:endParaRPr lang="en-US" dirty="0"/>
           </a:p>
         </p:txBody>
       </p:sp>
@@ -2164,7 +2166,7 @@
               <a:rPr lang="en-US" smtClean="0"/>
               <a:t>‹#›</a:t>
             </a:fld>
-            <a:endParaRPr lang="en-US"/>
+            <a:endParaRPr lang="en-US" dirty="0"/>
           </a:p>
         </p:txBody>
       </p:sp>
@@ -2409,7 +2411,7 @@
               <a:rPr lang="en-US" smtClean="0"/>
               <a:t>4/17/2017</a:t>
             </a:fld>
-            <a:endParaRPr lang="en-US"/>
+            <a:endParaRPr lang="en-US" dirty="0"/>
           </a:p>
         </p:txBody>
       </p:sp>
@@ -2428,7 +2430,7 @@
           <a:bodyPr/>
           <a:lstStyle/>
           <a:p>
-            <a:endParaRPr lang="en-US"/>
+            <a:endParaRPr lang="en-US" dirty="0"/>
           </a:p>
         </p:txBody>
       </p:sp>
@@ -2451,7 +2453,7 @@
               <a:rPr lang="en-US" smtClean="0"/>
               <a:t>‹#›</a:t>
             </a:fld>
-            <a:endParaRPr lang="en-US"/>
+            <a:endParaRPr lang="en-US" dirty="0"/>
           </a:p>
         </p:txBody>
       </p:sp>
@@ -2621,10 +2623,9 @@
           </a:lstStyle>
           <a:p>
             <a:r>
-              <a:rPr lang="en-US"/>
+              <a:rPr lang="en-US" dirty="0"/>
               <a:t>Click icon to add picture</a:t>
             </a:r>
-            <a:endParaRPr lang="en-US" dirty="0"/>
           </a:p>
         </p:txBody>
       </p:sp>
@@ -2727,7 +2728,7 @@
               <a:rPr lang="en-US" smtClean="0"/>
               <a:t>4/17/2017</a:t>
             </a:fld>
-            <a:endParaRPr lang="en-US"/>
+            <a:endParaRPr lang="en-US" dirty="0"/>
           </a:p>
         </p:txBody>
       </p:sp>
@@ -2769,7 +2770,7 @@
               <a:rPr lang="en-US" smtClean="0"/>
               <a:t>‹#›</a:t>
             </a:fld>
-            <a:endParaRPr lang="en-US"/>
+            <a:endParaRPr lang="en-US" dirty="0"/>
           </a:p>
         </p:txBody>
       </p:sp>
@@ -2979,7 +2980,7 @@
               <a:rPr lang="en-US" smtClean="0"/>
               <a:t>4/17/2017</a:t>
             </a:fld>
-            <a:endParaRPr lang="en-US"/>
+            <a:endParaRPr lang="en-US" dirty="0"/>
           </a:p>
         </p:txBody>
       </p:sp>
@@ -3017,7 +3018,7 @@
             </a:lvl1pPr>
           </a:lstStyle>
           <a:p>
-            <a:endParaRPr lang="en-US"/>
+            <a:endParaRPr lang="en-US" dirty="0"/>
           </a:p>
         </p:txBody>
       </p:sp>
@@ -3062,7 +3063,7 @@
               <a:rPr lang="en-US" smtClean="0"/>
               <a:t>‹#›</a:t>
             </a:fld>
-            <a:endParaRPr lang="en-US"/>
+            <a:endParaRPr lang="en-US" dirty="0"/>
           </a:p>
         </p:txBody>
       </p:sp>
@@ -3558,7 +3559,7 @@
               </a:spcAft>
             </a:pPr>
             <a:r>
-              <a:rPr lang="en-US" sz="2800" b="1" dirty="0">
+              <a:rPr lang="en-US" sz="3200" b="1" dirty="0">
                 <a:solidFill>
                   <a:schemeClr val="tx1"/>
                 </a:solidFill>
@@ -3621,7 +3622,7 @@
               <a:t>(</a:t>
             </a:r>
             <a:r>
-              <a:rPr lang="en-US" sz="2800" b="1" dirty="0">
+              <a:rPr lang="en-US" sz="3200" b="1" dirty="0">
                 <a:solidFill>
                   <a:schemeClr val="tx1"/>
                 </a:solidFill>
@@ -3654,7 +3655,7 @@
               </a:spcAft>
             </a:pPr>
             <a:r>
-              <a:rPr lang="en-US" sz="2800" b="1" dirty="0">
+              <a:rPr lang="en-US" sz="3200" b="1" dirty="0">
                 <a:solidFill>
                   <a:schemeClr val="tx1"/>
                 </a:solidFill>
@@ -3707,7 +3708,7 @@
               </a:spcAft>
             </a:pPr>
             <a:r>
-              <a:rPr lang="en-US" sz="2800" b="1" dirty="0">
+              <a:rPr lang="en-US" sz="3200" b="1" dirty="0">
                 <a:solidFill>
                   <a:schemeClr val="tx1"/>
                 </a:solidFill>
@@ -3740,14 +3741,24 @@
               </a:spcAft>
             </a:pPr>
             <a:r>
-              <a:rPr lang="en-US" sz="2800" b="1" dirty="0">
+              <a:rPr lang="en-US" sz="3200" b="1" dirty="0">
                 <a:solidFill>
                   <a:schemeClr val="tx1"/>
                 </a:solidFill>
                 <a:latin typeface="Times New Roman" panose="02020603050405020304" pitchFamily="18" charset="0"/>
                 <a:ea typeface="Times New Roman" panose="02020603050405020304" pitchFamily="18" charset="0"/>
               </a:rPr>
-              <a:t>Team</a:t>
+              <a:t>T</a:t>
+            </a:r>
+            <a:r>
+              <a:rPr lang="en-US" sz="2800" b="1" dirty="0">
+                <a:solidFill>
+                  <a:schemeClr val="tx1"/>
+                </a:solidFill>
+                <a:latin typeface="Times New Roman" panose="02020603050405020304" pitchFamily="18" charset="0"/>
+                <a:ea typeface="Times New Roman" panose="02020603050405020304" pitchFamily="18" charset="0"/>
+              </a:rPr>
+              <a:t>eam</a:t>
             </a:r>
           </a:p>
         </p:txBody>
@@ -3795,11 +3806,18 @@
           <a:p>
             <a:pPr algn="ctr"/>
             <a:r>
+              <a:rPr lang="en-US" sz="2900" b="1" dirty="0">
+                <a:latin typeface="Times New Roman" panose="02020603050405020304" pitchFamily="18" charset="0"/>
+                <a:cs typeface="Times New Roman" panose="02020603050405020304" pitchFamily="18" charset="0"/>
+              </a:rPr>
+              <a:t>Software Engineering- CSC 4350</a:t>
+            </a:r>
+            <a:r>
               <a:rPr lang="en-US" sz="2900" dirty="0">
                 <a:latin typeface="Times New Roman" panose="02020603050405020304" pitchFamily="18" charset="0"/>
                 <a:cs typeface="Times New Roman" panose="02020603050405020304" pitchFamily="18" charset="0"/>
               </a:rPr>
-              <a:t>Software Engineering- CSC 4350 </a:t>
+              <a:t> </a:t>
             </a:r>
           </a:p>
           <a:p>
@@ -3841,6 +3859,13 @@
   <p:clrMapOvr>
     <a:masterClrMapping/>
   </p:clrMapOvr>
+  <p:timing>
+    <p:tnLst>
+      <p:par>
+        <p:cTn id="1" dur="indefinite" restart="never" nodeType="tmRoot"/>
+      </p:par>
+    </p:tnLst>
+  </p:timing>
 </p:sld>
 </file>
 
@@ -3876,7 +3901,7 @@
           <a:bodyPr/>
           <a:lstStyle/>
           <a:p>
-            <a:endParaRPr lang="en-US"/>
+            <a:endParaRPr lang="en-US" dirty="0"/>
           </a:p>
         </p:txBody>
       </p:sp>
@@ -3895,20 +3920,27 @@
           <a:bodyPr/>
           <a:lstStyle/>
           <a:p>
-            <a:endParaRPr lang="en-US"/>
+            <a:endParaRPr lang="en-US" dirty="0"/>
           </a:p>
         </p:txBody>
       </p:sp>
     </p:spTree>
     <p:extLst>
       <p:ext uri="{BB962C8B-B14F-4D97-AF65-F5344CB8AC3E}">
-        <p14:creationId xmlns:p14="http://schemas.microsoft.com/office/powerpoint/2010/main" val="1641730598"/>
+        <p14:creationId xmlns:p14="http://schemas.microsoft.com/office/powerpoint/2010/main" val="1464017751"/>
       </p:ext>
     </p:extLst>
   </p:cSld>
   <p:clrMapOvr>
     <a:masterClrMapping/>
   </p:clrMapOvr>
+  <p:timing>
+    <p:tnLst>
+      <p:par>
+        <p:cTn id="1" dur="indefinite" restart="never" nodeType="tmRoot"/>
+      </p:par>
+    </p:tnLst>
+  </p:timing>
 </p:sld>
 </file>
 
@@ -3944,7 +3976,10 @@
           <a:bodyPr/>
           <a:lstStyle/>
           <a:p>
-            <a:endParaRPr lang="en-US"/>
+            <a:r>
+              <a:rPr lang="en-US" dirty="0"/>
+              <a:t>Sequence Diagram</a:t>
+            </a:r>
           </a:p>
         </p:txBody>
       </p:sp>
@@ -3963,20 +3998,27 @@
           <a:bodyPr/>
           <a:lstStyle/>
           <a:p>
-            <a:endParaRPr lang="en-US"/>
+            <a:endParaRPr lang="en-US" dirty="0"/>
           </a:p>
         </p:txBody>
       </p:sp>
     </p:spTree>
     <p:extLst>
       <p:ext uri="{BB962C8B-B14F-4D97-AF65-F5344CB8AC3E}">
-        <p14:creationId xmlns:p14="http://schemas.microsoft.com/office/powerpoint/2010/main" val="2752761651"/>
+        <p14:creationId xmlns:p14="http://schemas.microsoft.com/office/powerpoint/2010/main" val="933408625"/>
       </p:ext>
     </p:extLst>
   </p:cSld>
   <p:clrMapOvr>
     <a:masterClrMapping/>
   </p:clrMapOvr>
+  <p:timing>
+    <p:tnLst>
+      <p:par>
+        <p:cTn id="1" dur="indefinite" restart="never" nodeType="tmRoot"/>
+      </p:par>
+    </p:tnLst>
+  </p:timing>
 </p:sld>
 </file>
 
@@ -4007,40 +4049,51 @@
             <p:ph type="title"/>
           </p:nvPr>
         </p:nvSpPr>
-        <p:spPr>
-          <a:xfrm>
-            <a:off x="1921748" y="2034632"/>
-            <a:ext cx="7486203" cy="2584502"/>
-          </a:xfrm>
-        </p:spPr>
-        <p:txBody>
-          <a:bodyPr>
-            <a:normAutofit/>
-          </a:bodyPr>
-          <a:lstStyle/>
-          <a:p>
-            <a:pPr algn="ctr"/>
-            <a:r>
-              <a:rPr lang="en-US" sz="7200" dirty="0"/>
-              <a:t>Demonstration</a:t>
-            </a:r>
-            <a:br>
-              <a:rPr lang="en-US" sz="7200" dirty="0"/>
-            </a:br>
-            <a:endParaRPr lang="en-US" sz="7200" dirty="0"/>
+        <p:spPr/>
+        <p:txBody>
+          <a:bodyPr/>
+          <a:lstStyle/>
+          <a:p>
+            <a:endParaRPr lang="en-US" dirty="0"/>
+          </a:p>
+        </p:txBody>
+      </p:sp>
+      <p:sp>
+        <p:nvSpPr>
+          <p:cNvPr id="3" name="Content Placeholder 2"/>
+          <p:cNvSpPr>
+            <a:spLocks noGrp="1"/>
+          </p:cNvSpPr>
+          <p:nvPr>
+            <p:ph idx="1"/>
+          </p:nvPr>
+        </p:nvSpPr>
+        <p:spPr/>
+        <p:txBody>
+          <a:bodyPr/>
+          <a:lstStyle/>
+          <a:p>
+            <a:endParaRPr lang="en-US" dirty="0"/>
           </a:p>
         </p:txBody>
       </p:sp>
     </p:spTree>
     <p:extLst>
       <p:ext uri="{BB962C8B-B14F-4D97-AF65-F5344CB8AC3E}">
-        <p14:creationId xmlns:p14="http://schemas.microsoft.com/office/powerpoint/2010/main" val="1363176424"/>
+        <p14:creationId xmlns:p14="http://schemas.microsoft.com/office/powerpoint/2010/main" val="1641730598"/>
       </p:ext>
     </p:extLst>
   </p:cSld>
   <p:clrMapOvr>
     <a:masterClrMapping/>
   </p:clrMapOvr>
+  <p:timing>
+    <p:tnLst>
+      <p:par>
+        <p:cTn id="1" dur="indefinite" restart="never" nodeType="tmRoot"/>
+      </p:par>
+    </p:tnLst>
+  </p:timing>
 </p:sld>
 </file>
 
@@ -4076,10 +4129,6 @@
           <a:bodyPr/>
           <a:lstStyle/>
           <a:p>
-            <a:r>
-              <a:rPr lang="en-US" dirty="0" smtClean="0"/>
-              <a:t>Summary</a:t>
-            </a:r>
             <a:endParaRPr lang="en-US" dirty="0"/>
           </a:p>
         </p:txBody>
@@ -4099,20 +4148,27 @@
           <a:bodyPr/>
           <a:lstStyle/>
           <a:p>
-            <a:endParaRPr lang="en-US"/>
+            <a:endParaRPr lang="en-US" dirty="0"/>
           </a:p>
         </p:txBody>
       </p:sp>
     </p:spTree>
     <p:extLst>
       <p:ext uri="{BB962C8B-B14F-4D97-AF65-F5344CB8AC3E}">
-        <p14:creationId xmlns:p14="http://schemas.microsoft.com/office/powerpoint/2010/main" val="215823007"/>
+        <p14:creationId xmlns:p14="http://schemas.microsoft.com/office/powerpoint/2010/main" val="2752761651"/>
       </p:ext>
     </p:extLst>
   </p:cSld>
   <p:clrMapOvr>
     <a:masterClrMapping/>
   </p:clrMapOvr>
+  <p:timing>
+    <p:tnLst>
+      <p:par>
+        <p:cTn id="1" dur="indefinite" restart="never" nodeType="tmRoot"/>
+      </p:par>
+    </p:tnLst>
+  </p:timing>
 </p:sld>
 </file>
 
@@ -4145,6 +4201,156 @@
         </p:nvSpPr>
         <p:spPr>
           <a:xfrm>
+            <a:off x="1921748" y="2034632"/>
+            <a:ext cx="7486203" cy="2584502"/>
+          </a:xfrm>
+        </p:spPr>
+        <p:txBody>
+          <a:bodyPr>
+            <a:normAutofit/>
+          </a:bodyPr>
+          <a:lstStyle/>
+          <a:p>
+            <a:pPr algn="ctr"/>
+            <a:r>
+              <a:rPr lang="en-US" sz="7200" dirty="0"/>
+              <a:t>Demonstration</a:t>
+            </a:r>
+            <a:br>
+              <a:rPr lang="en-US" sz="7200" dirty="0"/>
+            </a:br>
+            <a:endParaRPr lang="en-US" sz="7200" dirty="0"/>
+          </a:p>
+        </p:txBody>
+      </p:sp>
+    </p:spTree>
+    <p:extLst>
+      <p:ext uri="{BB962C8B-B14F-4D97-AF65-F5344CB8AC3E}">
+        <p14:creationId xmlns:p14="http://schemas.microsoft.com/office/powerpoint/2010/main" val="1363176424"/>
+      </p:ext>
+    </p:extLst>
+  </p:cSld>
+  <p:clrMapOvr>
+    <a:masterClrMapping/>
+  </p:clrMapOvr>
+  <p:timing>
+    <p:tnLst>
+      <p:par>
+        <p:cTn id="1" dur="indefinite" restart="never" nodeType="tmRoot"/>
+      </p:par>
+    </p:tnLst>
+  </p:timing>
+</p:sld>
+</file>
+
+<file path=ppt/slides/slide15.xml><?xml version="1.0" encoding="utf-8"?>
+<p:sld xmlns:a="http://schemas.openxmlformats.org/drawingml/2006/main" xmlns:r="http://schemas.openxmlformats.org/officeDocument/2006/relationships" xmlns:p="http://schemas.openxmlformats.org/presentationml/2006/main">
+  <p:cSld>
+    <p:spTree>
+      <p:nvGrpSpPr>
+        <p:cNvPr id="1" name=""/>
+        <p:cNvGrpSpPr/>
+        <p:nvPr/>
+      </p:nvGrpSpPr>
+      <p:grpSpPr>
+        <a:xfrm>
+          <a:off x="0" y="0"/>
+          <a:ext cx="0" cy="0"/>
+          <a:chOff x="0" y="0"/>
+          <a:chExt cx="0" cy="0"/>
+        </a:xfrm>
+      </p:grpSpPr>
+      <p:sp>
+        <p:nvSpPr>
+          <p:cNvPr id="2" name="Title 1"/>
+          <p:cNvSpPr>
+            <a:spLocks noGrp="1"/>
+          </p:cNvSpPr>
+          <p:nvPr>
+            <p:ph type="title"/>
+          </p:nvPr>
+        </p:nvSpPr>
+        <p:spPr/>
+        <p:txBody>
+          <a:bodyPr/>
+          <a:lstStyle/>
+          <a:p>
+            <a:r>
+              <a:rPr lang="en-US" dirty="0" smtClean="0"/>
+              <a:t>Summary</a:t>
+            </a:r>
+            <a:endParaRPr lang="en-US" dirty="0"/>
+          </a:p>
+        </p:txBody>
+      </p:sp>
+      <p:sp>
+        <p:nvSpPr>
+          <p:cNvPr id="3" name="Content Placeholder 2"/>
+          <p:cNvSpPr>
+            <a:spLocks noGrp="1"/>
+          </p:cNvSpPr>
+          <p:nvPr>
+            <p:ph idx="1"/>
+          </p:nvPr>
+        </p:nvSpPr>
+        <p:spPr/>
+        <p:txBody>
+          <a:bodyPr/>
+          <a:lstStyle/>
+          <a:p>
+            <a:endParaRPr lang="en-US" dirty="0"/>
+          </a:p>
+        </p:txBody>
+      </p:sp>
+    </p:spTree>
+    <p:extLst>
+      <p:ext uri="{BB962C8B-B14F-4D97-AF65-F5344CB8AC3E}">
+        <p14:creationId xmlns:p14="http://schemas.microsoft.com/office/powerpoint/2010/main" val="215823007"/>
+      </p:ext>
+    </p:extLst>
+  </p:cSld>
+  <p:clrMapOvr>
+    <a:masterClrMapping/>
+  </p:clrMapOvr>
+  <p:timing>
+    <p:tnLst>
+      <p:par>
+        <p:cTn id="1" dur="indefinite" restart="never" nodeType="tmRoot"/>
+      </p:par>
+    </p:tnLst>
+  </p:timing>
+</p:sld>
+</file>
+
+<file path=ppt/slides/slide16.xml><?xml version="1.0" encoding="utf-8"?>
+<p:sld xmlns:a="http://schemas.openxmlformats.org/drawingml/2006/main" xmlns:r="http://schemas.openxmlformats.org/officeDocument/2006/relationships" xmlns:p="http://schemas.openxmlformats.org/presentationml/2006/main">
+  <p:cSld>
+    <p:spTree>
+      <p:nvGrpSpPr>
+        <p:cNvPr id="1" name=""/>
+        <p:cNvGrpSpPr/>
+        <p:nvPr/>
+      </p:nvGrpSpPr>
+      <p:grpSpPr>
+        <a:xfrm>
+          <a:off x="0" y="0"/>
+          <a:ext cx="0" cy="0"/>
+          <a:chOff x="0" y="0"/>
+          <a:chExt cx="0" cy="0"/>
+        </a:xfrm>
+      </p:grpSpPr>
+      <p:sp>
+        <p:nvSpPr>
+          <p:cNvPr id="2" name="Title 1"/>
+          <p:cNvSpPr>
+            <a:spLocks noGrp="1"/>
+          </p:cNvSpPr>
+          <p:nvPr>
+            <p:ph type="title"/>
+          </p:nvPr>
+        </p:nvSpPr>
+        <p:spPr>
+          <a:xfrm>
             <a:off x="2251686" y="2809187"/>
             <a:ext cx="6892313" cy="2115529"/>
           </a:xfrm>
@@ -4177,6 +4383,13 @@
   <p:clrMapOvr>
     <a:masterClrMapping/>
   </p:clrMapOvr>
+  <p:timing>
+    <p:tnLst>
+      <p:par>
+        <p:cTn id="1" dur="indefinite" restart="never" nodeType="tmRoot"/>
+      </p:par>
+    </p:tnLst>
+  </p:timing>
 </p:sld>
 </file>
 
@@ -4209,8 +4422,8 @@
         </p:nvSpPr>
         <p:spPr>
           <a:xfrm>
-            <a:off x="1261872" y="461913"/>
-            <a:ext cx="9692640" cy="1229409"/>
+            <a:off x="681228" y="308113"/>
+            <a:ext cx="9692640" cy="1428929"/>
           </a:xfrm>
         </p:spPr>
         <p:txBody>
@@ -4219,9 +4432,14 @@
           </a:bodyPr>
           <a:lstStyle/>
           <a:p>
+            <a:pPr algn="ctr"/>
+            <a:r>
+              <a:rPr lang="en-US" sz="4800" dirty="0" smtClean="0"/>
+              <a:t>Roles- </a:t>
+            </a:r>
             <a:r>
               <a:rPr lang="en-US" sz="4800" dirty="0"/>
-              <a:t>Overview</a:t>
+              <a:t>ADEPT </a:t>
             </a:r>
           </a:p>
         </p:txBody>
@@ -4236,7 +4454,12 @@
             <p:ph idx="1"/>
           </p:nvPr>
         </p:nvSpPr>
-        <p:spPr/>
+        <p:spPr>
+          <a:xfrm>
+            <a:off x="1065276" y="2110277"/>
+            <a:ext cx="9482328" cy="3659588"/>
+          </a:xfrm>
+        </p:spPr>
         <p:txBody>
           <a:bodyPr>
             <a:normAutofit/>
@@ -4244,28 +4467,147 @@
           <a:lstStyle/>
           <a:p>
             <a:r>
-              <a:rPr lang="en-US" sz="2800" dirty="0">
+              <a:rPr lang="en-US" sz="3600" b="1" dirty="0">
                 <a:solidFill>
                   <a:schemeClr val="tx1"/>
                 </a:solidFill>
                 <a:latin typeface="Times New Roman" panose="02020603050405020304" pitchFamily="18" charset="0"/>
                 <a:cs typeface="Times New Roman" panose="02020603050405020304" pitchFamily="18" charset="0"/>
               </a:rPr>
-              <a:t>An encryption and decryption mail system. </a:t>
-            </a:r>
+              <a:t>Amani </a:t>
+            </a:r>
+            <a:r>
+              <a:rPr lang="en-US" sz="3600" b="1" dirty="0" smtClean="0">
+                <a:solidFill>
+                  <a:schemeClr val="tx1"/>
+                </a:solidFill>
+                <a:latin typeface="Times New Roman" panose="02020603050405020304" pitchFamily="18" charset="0"/>
+                <a:cs typeface="Times New Roman" panose="02020603050405020304" pitchFamily="18" charset="0"/>
+              </a:rPr>
+              <a:t>Konduru: </a:t>
+            </a:r>
+            <a:r>
+              <a:rPr lang="en-US" sz="3600" dirty="0">
+                <a:solidFill>
+                  <a:schemeClr val="tx1"/>
+                </a:solidFill>
+                <a:latin typeface="Times New Roman" panose="02020603050405020304" pitchFamily="18" charset="0"/>
+                <a:cs typeface="Times New Roman" panose="02020603050405020304" pitchFamily="18" charset="0"/>
+              </a:rPr>
+              <a:t>Project Manager, Tester, Document handler and Database</a:t>
+            </a:r>
+          </a:p>
+          <a:p>
+            <a:r>
+              <a:rPr lang="en-US" sz="3600" b="1" dirty="0">
+                <a:solidFill>
+                  <a:schemeClr val="tx1"/>
+                </a:solidFill>
+                <a:latin typeface="Times New Roman" panose="02020603050405020304" pitchFamily="18" charset="0"/>
+                <a:cs typeface="Times New Roman" panose="02020603050405020304" pitchFamily="18" charset="0"/>
+              </a:rPr>
+              <a:t>Daniel </a:t>
+            </a:r>
+            <a:r>
+              <a:rPr lang="en-US" sz="3600" b="1" dirty="0" smtClean="0">
+                <a:solidFill>
+                  <a:schemeClr val="tx1"/>
+                </a:solidFill>
+                <a:latin typeface="Times New Roman" panose="02020603050405020304" pitchFamily="18" charset="0"/>
+                <a:cs typeface="Times New Roman" panose="02020603050405020304" pitchFamily="18" charset="0"/>
+              </a:rPr>
+              <a:t>Garber: </a:t>
+            </a:r>
+            <a:r>
+              <a:rPr lang="en-US" sz="3600" dirty="0">
+                <a:solidFill>
+                  <a:schemeClr val="tx1"/>
+                </a:solidFill>
+                <a:latin typeface="Times New Roman" panose="02020603050405020304" pitchFamily="18" charset="0"/>
+                <a:cs typeface="Times New Roman" panose="02020603050405020304" pitchFamily="18" charset="0"/>
+              </a:rPr>
+              <a:t>Developer </a:t>
+            </a:r>
+            <a:endParaRPr lang="en-US" sz="3600" dirty="0" smtClean="0">
+              <a:solidFill>
+                <a:schemeClr val="tx1"/>
+              </a:solidFill>
+              <a:latin typeface="Times New Roman" panose="02020603050405020304" pitchFamily="18" charset="0"/>
+              <a:cs typeface="Times New Roman" panose="02020603050405020304" pitchFamily="18" charset="0"/>
+            </a:endParaRPr>
+          </a:p>
+          <a:p>
+            <a:r>
+              <a:rPr lang="en-US" sz="3600" b="1" dirty="0" smtClean="0">
+                <a:solidFill>
+                  <a:schemeClr val="tx1"/>
+                </a:solidFill>
+                <a:latin typeface="Times New Roman" panose="02020603050405020304" pitchFamily="18" charset="0"/>
+                <a:cs typeface="Times New Roman" panose="02020603050405020304" pitchFamily="18" charset="0"/>
+              </a:rPr>
+              <a:t>Edward Bull: </a:t>
+            </a:r>
+            <a:r>
+              <a:rPr lang="en-US" sz="3600" dirty="0" smtClean="0">
+                <a:solidFill>
+                  <a:schemeClr val="tx1"/>
+                </a:solidFill>
+                <a:latin typeface="Times New Roman" panose="02020603050405020304" pitchFamily="18" charset="0"/>
+                <a:cs typeface="Times New Roman" panose="02020603050405020304" pitchFamily="18" charset="0"/>
+              </a:rPr>
+              <a:t>Developer and Tester</a:t>
+            </a:r>
+          </a:p>
+          <a:p>
+            <a:r>
+              <a:rPr lang="en-US" sz="3600" b="1" dirty="0" smtClean="0">
+                <a:solidFill>
+                  <a:schemeClr val="tx1"/>
+                </a:solidFill>
+                <a:latin typeface="Times New Roman" panose="02020603050405020304" pitchFamily="18" charset="0"/>
+                <a:cs typeface="Times New Roman" panose="02020603050405020304" pitchFamily="18" charset="0"/>
+              </a:rPr>
+              <a:t>Paul Utesch: </a:t>
+            </a:r>
+            <a:r>
+              <a:rPr lang="en-US" sz="3600" dirty="0" smtClean="0">
+                <a:solidFill>
+                  <a:schemeClr val="tx1"/>
+                </a:solidFill>
+                <a:latin typeface="Times New Roman" panose="02020603050405020304" pitchFamily="18" charset="0"/>
+                <a:cs typeface="Times New Roman" panose="02020603050405020304" pitchFamily="18" charset="0"/>
+              </a:rPr>
+              <a:t>GUI and Database </a:t>
+            </a:r>
+          </a:p>
+          <a:p>
+            <a:endParaRPr lang="en-US" sz="3600" dirty="0">
+              <a:solidFill>
+                <a:schemeClr val="tx1"/>
+              </a:solidFill>
+              <a:latin typeface="Times New Roman" panose="02020603050405020304" pitchFamily="18" charset="0"/>
+              <a:cs typeface="Times New Roman" panose="02020603050405020304" pitchFamily="18" charset="0"/>
+            </a:endParaRPr>
           </a:p>
         </p:txBody>
       </p:sp>
     </p:spTree>
     <p:extLst>
       <p:ext uri="{BB962C8B-B14F-4D97-AF65-F5344CB8AC3E}">
-        <p14:creationId xmlns:p14="http://schemas.microsoft.com/office/powerpoint/2010/main" val="3803568178"/>
+        <p14:creationId xmlns:p14="http://schemas.microsoft.com/office/powerpoint/2010/main" val="1215519935"/>
       </p:ext>
     </p:extLst>
   </p:cSld>
   <p:clrMapOvr>
     <a:masterClrMapping/>
   </p:clrMapOvr>
+  <p:timing>
+    <p:tnLst>
+      <p:par>
+        <p:cTn id="1" dur="indefinite" restart="never" nodeType="tmRoot"/>
+      </p:par>
+    </p:tnLst>
+  </p:timing>
 </p:sld>
 </file>
 
@@ -4296,12 +4638,22 @@
             <p:ph type="title"/>
           </p:nvPr>
         </p:nvSpPr>
-        <p:spPr/>
-        <p:txBody>
-          <a:bodyPr/>
-          <a:lstStyle/>
-          <a:p>
-            <a:endParaRPr lang="en-US" dirty="0"/>
+        <p:spPr>
+          <a:xfrm>
+            <a:off x="1261872" y="461913"/>
+            <a:ext cx="9692640" cy="1229409"/>
+          </a:xfrm>
+        </p:spPr>
+        <p:txBody>
+          <a:bodyPr>
+            <a:normAutofit/>
+          </a:bodyPr>
+          <a:lstStyle/>
+          <a:p>
+            <a:r>
+              <a:rPr lang="en-US" sz="4800" dirty="0"/>
+              <a:t>Overview</a:t>
+            </a:r>
           </a:p>
         </p:txBody>
       </p:sp>
@@ -4317,23 +4669,41 @@
         </p:nvSpPr>
         <p:spPr/>
         <p:txBody>
-          <a:bodyPr/>
-          <a:lstStyle/>
-          <a:p>
-            <a:endParaRPr lang="en-US"/>
+          <a:bodyPr>
+            <a:normAutofit/>
+          </a:bodyPr>
+          <a:lstStyle/>
+          <a:p>
+            <a:r>
+              <a:rPr lang="en-US" sz="2800" dirty="0">
+                <a:solidFill>
+                  <a:schemeClr val="tx1"/>
+                </a:solidFill>
+                <a:latin typeface="Times New Roman" panose="02020603050405020304" pitchFamily="18" charset="0"/>
+                <a:cs typeface="Times New Roman" panose="02020603050405020304" pitchFamily="18" charset="0"/>
+              </a:rPr>
+              <a:t>An encryption and decryption mail system. </a:t>
+            </a:r>
           </a:p>
         </p:txBody>
       </p:sp>
     </p:spTree>
     <p:extLst>
       <p:ext uri="{BB962C8B-B14F-4D97-AF65-F5344CB8AC3E}">
-        <p14:creationId xmlns:p14="http://schemas.microsoft.com/office/powerpoint/2010/main" val="2187540169"/>
+        <p14:creationId xmlns:p14="http://schemas.microsoft.com/office/powerpoint/2010/main" val="3803568178"/>
       </p:ext>
     </p:extLst>
   </p:cSld>
   <p:clrMapOvr>
     <a:masterClrMapping/>
   </p:clrMapOvr>
+  <p:timing>
+    <p:tnLst>
+      <p:par>
+        <p:cTn id="1" dur="indefinite" restart="never" nodeType="tmRoot"/>
+      </p:par>
+    </p:tnLst>
+  </p:timing>
 </p:sld>
 </file>
 
@@ -4369,10 +4739,7 @@
           <a:bodyPr/>
           <a:lstStyle/>
           <a:p>
-            <a:r>
-              <a:rPr lang="en-US" dirty="0"/>
-              <a:t>Metrics</a:t>
-            </a:r>
+            <a:endParaRPr lang="en-US" dirty="0"/>
           </a:p>
         </p:txBody>
       </p:sp>
@@ -4391,20 +4758,27 @@
           <a:bodyPr/>
           <a:lstStyle/>
           <a:p>
-            <a:endParaRPr lang="en-US"/>
+            <a:endParaRPr lang="en-US" dirty="0"/>
           </a:p>
         </p:txBody>
       </p:sp>
     </p:spTree>
     <p:extLst>
       <p:ext uri="{BB962C8B-B14F-4D97-AF65-F5344CB8AC3E}">
-        <p14:creationId xmlns:p14="http://schemas.microsoft.com/office/powerpoint/2010/main" val="2554158306"/>
+        <p14:creationId xmlns:p14="http://schemas.microsoft.com/office/powerpoint/2010/main" val="2187540169"/>
       </p:ext>
     </p:extLst>
   </p:cSld>
   <p:clrMapOvr>
     <a:masterClrMapping/>
   </p:clrMapOvr>
+  <p:timing>
+    <p:tnLst>
+      <p:par>
+        <p:cTn id="1" dur="indefinite" restart="never" nodeType="tmRoot"/>
+      </p:par>
+    </p:tnLst>
+  </p:timing>
 </p:sld>
 </file>
 
@@ -4441,9 +4815,10 @@
           <a:lstStyle/>
           <a:p>
             <a:r>
-              <a:rPr lang="en-US" dirty="0"/>
-              <a:t>Packages</a:t>
-            </a:r>
+              <a:rPr lang="en-US" dirty="0" smtClean="0"/>
+              <a:t>Packages and tools</a:t>
+            </a:r>
+            <a:endParaRPr lang="en-US" dirty="0"/>
           </a:p>
         </p:txBody>
       </p:sp>
@@ -4457,12 +4832,144 @@
             <p:ph idx="1"/>
           </p:nvPr>
         </p:nvSpPr>
-        <p:spPr/>
-        <p:txBody>
-          <a:bodyPr/>
-          <a:lstStyle/>
-          <a:p>
-            <a:endParaRPr lang="en-US" dirty="0"/>
+        <p:spPr>
+          <a:xfrm>
+            <a:off x="1261872" y="1929384"/>
+            <a:ext cx="8595360" cy="4351337"/>
+          </a:xfrm>
+        </p:spPr>
+        <p:txBody>
+          <a:bodyPr>
+            <a:normAutofit/>
+          </a:bodyPr>
+          <a:lstStyle/>
+          <a:p>
+            <a:r>
+              <a:rPr lang="en-US" sz="2800" b="1" dirty="0" smtClean="0">
+                <a:solidFill>
+                  <a:schemeClr val="tx1"/>
+                </a:solidFill>
+              </a:rPr>
+              <a:t>Programing Language</a:t>
+            </a:r>
+            <a:r>
+              <a:rPr lang="en-US" sz="2800" b="1" dirty="0" smtClean="0">
+                <a:solidFill>
+                  <a:schemeClr val="tx1"/>
+                </a:solidFill>
+              </a:rPr>
+              <a:t>: </a:t>
+            </a:r>
+            <a:r>
+              <a:rPr lang="en-US" sz="2800" dirty="0" smtClean="0">
+                <a:solidFill>
+                  <a:schemeClr val="tx1"/>
+                </a:solidFill>
+              </a:rPr>
+              <a:t>JAVA</a:t>
+            </a:r>
+          </a:p>
+          <a:p>
+            <a:r>
+              <a:rPr lang="en-US" sz="2800" b="1" dirty="0" smtClean="0">
+                <a:solidFill>
+                  <a:schemeClr val="tx1"/>
+                </a:solidFill>
+              </a:rPr>
+              <a:t>GUI: </a:t>
+            </a:r>
+            <a:r>
+              <a:rPr lang="en-US" sz="2800" dirty="0" smtClean="0">
+                <a:solidFill>
+                  <a:schemeClr val="tx1"/>
+                </a:solidFill>
+              </a:rPr>
+              <a:t>JavaFX</a:t>
+            </a:r>
+          </a:p>
+          <a:p>
+            <a:r>
+              <a:rPr lang="en-US" sz="2800" b="1" dirty="0" smtClean="0">
+                <a:solidFill>
+                  <a:schemeClr val="tx1"/>
+                </a:solidFill>
+              </a:rPr>
+              <a:t>Database: </a:t>
+            </a:r>
+            <a:r>
+              <a:rPr lang="en-US" sz="2800" dirty="0" smtClean="0">
+                <a:solidFill>
+                  <a:schemeClr val="tx1"/>
+                </a:solidFill>
+              </a:rPr>
+              <a:t>SQLite and PostgreSQL</a:t>
+            </a:r>
+          </a:p>
+          <a:p>
+            <a:r>
+              <a:rPr lang="en-US" sz="2800" b="1" dirty="0" smtClean="0">
+                <a:solidFill>
+                  <a:schemeClr val="tx1"/>
+                </a:solidFill>
+              </a:rPr>
+              <a:t>Repository: </a:t>
+            </a:r>
+            <a:r>
+              <a:rPr lang="en-US" sz="2800" dirty="0" smtClean="0">
+                <a:solidFill>
+                  <a:schemeClr val="tx1"/>
+                </a:solidFill>
+              </a:rPr>
+              <a:t>GitHub</a:t>
+            </a:r>
+          </a:p>
+          <a:p>
+            <a:r>
+              <a:rPr lang="en-US" sz="2800" b="1" dirty="0" smtClean="0">
+                <a:solidFill>
+                  <a:schemeClr val="tx1"/>
+                </a:solidFill>
+              </a:rPr>
+              <a:t>IDE: </a:t>
+            </a:r>
+            <a:r>
+              <a:rPr lang="en-US" sz="2800" dirty="0" smtClean="0">
+                <a:solidFill>
+                  <a:schemeClr val="tx1"/>
+                </a:solidFill>
+              </a:rPr>
+              <a:t>Eclipse</a:t>
+            </a:r>
+          </a:p>
+          <a:p>
+            <a:r>
+              <a:rPr lang="en-US" sz="2800" b="1" dirty="0" smtClean="0">
+                <a:solidFill>
+                  <a:schemeClr val="tx1"/>
+                </a:solidFill>
+              </a:rPr>
+              <a:t>Agile Management System: </a:t>
+            </a:r>
+            <a:r>
+              <a:rPr lang="en-US" sz="2800" dirty="0" smtClean="0">
+                <a:solidFill>
+                  <a:schemeClr val="tx1"/>
+                </a:solidFill>
+              </a:rPr>
+              <a:t>VersionOne</a:t>
+            </a:r>
+            <a:endParaRPr lang="en-US" sz="2800" dirty="0" smtClean="0">
+              <a:solidFill>
+                <a:schemeClr val="tx1"/>
+              </a:solidFill>
+            </a:endParaRPr>
+          </a:p>
+          <a:p>
+            <a:endParaRPr lang="en-US" sz="2800" dirty="0">
+              <a:solidFill>
+                <a:schemeClr val="tx1"/>
+              </a:solidFill>
+            </a:endParaRPr>
           </a:p>
         </p:txBody>
       </p:sp>
@@ -4476,6 +4983,13 @@
   <p:clrMapOvr>
     <a:masterClrMapping/>
   </p:clrMapOvr>
+  <p:timing>
+    <p:tnLst>
+      <p:par>
+        <p:cTn id="1" dur="indefinite" restart="never" nodeType="tmRoot"/>
+      </p:par>
+    </p:tnLst>
+  </p:timing>
 </p:sld>
 </file>
 
@@ -4512,9 +5026,10 @@
           <a:lstStyle/>
           <a:p>
             <a:r>
-              <a:rPr lang="en-US" dirty="0"/>
-              <a:t>UML Diagram</a:t>
-            </a:r>
+              <a:rPr lang="en-US" dirty="0" smtClean="0"/>
+              <a:t>Timeline and Metrics</a:t>
+            </a:r>
+            <a:endParaRPr lang="en-US" dirty="0"/>
           </a:p>
         </p:txBody>
       </p:sp>
@@ -4533,20 +5048,78 @@
           <a:bodyPr/>
           <a:lstStyle/>
           <a:p>
-            <a:endParaRPr lang="en-US"/>
+            <a:r>
+              <a:rPr lang="en-US" dirty="0" smtClean="0">
+                <a:solidFill>
+                  <a:schemeClr val="tx1"/>
+                </a:solidFill>
+              </a:rPr>
+              <a:t>Code: breakdown of # of  lines</a:t>
+            </a:r>
+          </a:p>
+          <a:p>
+            <a:r>
+              <a:rPr lang="en-US" dirty="0" smtClean="0">
+                <a:solidFill>
+                  <a:schemeClr val="tx1"/>
+                </a:solidFill>
+              </a:rPr>
+              <a:t>Final Report: 30~pages</a:t>
+            </a:r>
+          </a:p>
+          <a:p>
+            <a:endParaRPr lang="en-US" dirty="0">
+              <a:solidFill>
+                <a:schemeClr val="tx1"/>
+              </a:solidFill>
+            </a:endParaRPr>
+          </a:p>
+          <a:p>
+            <a:r>
+              <a:rPr lang="en-US" dirty="0" smtClean="0">
+                <a:solidFill>
+                  <a:schemeClr val="tx1"/>
+                </a:solidFill>
+              </a:rPr>
+              <a:t>(*add a graph*)</a:t>
+            </a:r>
+          </a:p>
+          <a:p>
+            <a:r>
+              <a:rPr lang="en-US" dirty="0" smtClean="0">
+                <a:solidFill>
+                  <a:schemeClr val="tx1"/>
+                </a:solidFill>
+              </a:rPr>
+              <a:t>COCOMO</a:t>
+            </a:r>
+          </a:p>
+          <a:p>
+            <a:endParaRPr lang="en-US" dirty="0" smtClean="0">
+              <a:solidFill>
+                <a:schemeClr val="tx1"/>
+              </a:solidFill>
+            </a:endParaRPr>
           </a:p>
         </p:txBody>
       </p:sp>
     </p:spTree>
     <p:extLst>
       <p:ext uri="{BB962C8B-B14F-4D97-AF65-F5344CB8AC3E}">
-        <p14:creationId xmlns:p14="http://schemas.microsoft.com/office/powerpoint/2010/main" val="3239136265"/>
+        <p14:creationId xmlns:p14="http://schemas.microsoft.com/office/powerpoint/2010/main" val="2554158306"/>
       </p:ext>
     </p:extLst>
   </p:cSld>
   <p:clrMapOvr>
     <a:masterClrMapping/>
   </p:clrMapOvr>
+  <p:timing>
+    <p:tnLst>
+      <p:par>
+        <p:cTn id="1" dur="indefinite" restart="never" nodeType="tmRoot"/>
+      </p:par>
+    </p:tnLst>
+  </p:timing>
 </p:sld>
 </file>
 
@@ -4582,7 +5155,11 @@
           <a:bodyPr/>
           <a:lstStyle/>
           <a:p>
-            <a:endParaRPr lang="en-US"/>
+            <a:r>
+              <a:rPr lang="en-US" dirty="0" smtClean="0"/>
+              <a:t>System Model	</a:t>
+            </a:r>
+            <a:endParaRPr lang="en-US" dirty="0"/>
           </a:p>
         </p:txBody>
       </p:sp>
@@ -4601,20 +5178,41 @@
           <a:bodyPr/>
           <a:lstStyle/>
           <a:p>
-            <a:endParaRPr lang="en-US"/>
+            <a:r>
+              <a:rPr lang="en-US" dirty="0" smtClean="0">
+                <a:solidFill>
+                  <a:schemeClr val="tx1"/>
+                </a:solidFill>
+              </a:rPr>
+              <a:t>Server and client</a:t>
+            </a:r>
+          </a:p>
+          <a:p>
+            <a:endParaRPr lang="en-US" dirty="0">
+              <a:solidFill>
+                <a:schemeClr val="tx1"/>
+              </a:solidFill>
+            </a:endParaRPr>
           </a:p>
         </p:txBody>
       </p:sp>
     </p:spTree>
     <p:extLst>
       <p:ext uri="{BB962C8B-B14F-4D97-AF65-F5344CB8AC3E}">
-        <p14:creationId xmlns:p14="http://schemas.microsoft.com/office/powerpoint/2010/main" val="1249477557"/>
+        <p14:creationId xmlns:p14="http://schemas.microsoft.com/office/powerpoint/2010/main" val="701488306"/>
       </p:ext>
     </p:extLst>
   </p:cSld>
   <p:clrMapOvr>
     <a:masterClrMapping/>
   </p:clrMapOvr>
+  <p:timing>
+    <p:tnLst>
+      <p:par>
+        <p:cTn id="1" dur="indefinite" restart="never" nodeType="tmRoot"/>
+      </p:par>
+    </p:tnLst>
+  </p:timing>
 </p:sld>
 </file>
 
@@ -4650,7 +5248,14 @@
           <a:bodyPr/>
           <a:lstStyle/>
           <a:p>
-            <a:endParaRPr lang="en-US"/>
+            <a:r>
+              <a:rPr lang="en-US" dirty="0" smtClean="0"/>
+              <a:t>UML </a:t>
+            </a:r>
+            <a:r>
+              <a:rPr lang="en-US" dirty="0"/>
+              <a:t>Diagram</a:t>
+            </a:r>
           </a:p>
         </p:txBody>
       </p:sp>
@@ -4669,20 +5274,27 @@
           <a:bodyPr/>
           <a:lstStyle/>
           <a:p>
-            <a:endParaRPr lang="en-US"/>
+            <a:endParaRPr lang="en-US" dirty="0"/>
           </a:p>
         </p:txBody>
       </p:sp>
     </p:spTree>
     <p:extLst>
       <p:ext uri="{BB962C8B-B14F-4D97-AF65-F5344CB8AC3E}">
-        <p14:creationId xmlns:p14="http://schemas.microsoft.com/office/powerpoint/2010/main" val="1464017751"/>
+        <p14:creationId xmlns:p14="http://schemas.microsoft.com/office/powerpoint/2010/main" val="3239136265"/>
       </p:ext>
     </p:extLst>
   </p:cSld>
   <p:clrMapOvr>
     <a:masterClrMapping/>
   </p:clrMapOvr>
+  <p:timing>
+    <p:tnLst>
+      <p:par>
+        <p:cTn id="1" dur="indefinite" restart="never" nodeType="tmRoot"/>
+      </p:par>
+    </p:tnLst>
+  </p:timing>
 </p:sld>
 </file>
 
@@ -4718,10 +5330,7 @@
           <a:bodyPr/>
           <a:lstStyle/>
           <a:p>
-            <a:r>
-              <a:rPr lang="en-US" dirty="0"/>
-              <a:t>Sequence Diagram</a:t>
-            </a:r>
+            <a:endParaRPr lang="en-US" dirty="0"/>
           </a:p>
         </p:txBody>
       </p:sp>
@@ -4740,27 +5349,34 @@
           <a:bodyPr/>
           <a:lstStyle/>
           <a:p>
-            <a:endParaRPr lang="en-US"/>
+            <a:endParaRPr lang="en-US" dirty="0"/>
           </a:p>
         </p:txBody>
       </p:sp>
     </p:spTree>
     <p:extLst>
       <p:ext uri="{BB962C8B-B14F-4D97-AF65-F5344CB8AC3E}">
-        <p14:creationId xmlns:p14="http://schemas.microsoft.com/office/powerpoint/2010/main" val="933408625"/>
+        <p14:creationId xmlns:p14="http://schemas.microsoft.com/office/powerpoint/2010/main" val="1249477557"/>
       </p:ext>
     </p:extLst>
   </p:cSld>
   <p:clrMapOvr>
     <a:masterClrMapping/>
   </p:clrMapOvr>
+  <p:timing>
+    <p:tnLst>
+      <p:par>
+        <p:cTn id="1" dur="indefinite" restart="never" nodeType="tmRoot"/>
+      </p:par>
+    </p:tnLst>
+  </p:timing>
 </p:sld>
 </file>
 
 <file path=ppt/theme/theme1.xml><?xml version="1.0" encoding="utf-8"?>
 <a:theme xmlns:a="http://schemas.openxmlformats.org/drawingml/2006/main" name="View">
   <a:themeElements>
-    <a:clrScheme name="Blue">
+    <a:clrScheme name="Custom 1">
       <a:dk1>
         <a:sysClr val="windowText" lastClr="000000"/>
       </a:dk1>
@@ -4798,76 +5414,16 @@
         <a:srgbClr val="85DFD0"/>
       </a:folHlink>
     </a:clrScheme>
-    <a:fontScheme name="View">
+    <a:fontScheme name="Custom 1">
       <a:majorFont>
-        <a:latin typeface="Century Schoolbook" panose="02040604050505020304"/>
+        <a:latin typeface="Arial"/>
         <a:ea typeface=""/>
         <a:cs typeface=""/>
-        <a:font script="Jpan" typeface="ＭＳ ゴシック"/>
-        <a:font script="Hang" typeface="맑은 고딕"/>
-        <a:font script="Hans" typeface="宋体"/>
-        <a:font script="Hant" typeface="新細明體"/>
-        <a:font script="Arab" typeface="Tahoma"/>
-        <a:font script="Hebr" typeface="Gisha"/>
-        <a:font script="Thai" typeface="DilleniaUPC"/>
-        <a:font script="Ethi" typeface="Nyala"/>
-        <a:font script="Beng" typeface="Vrinda"/>
-        <a:font script="Gujr" typeface="Shruti"/>
-        <a:font script="Khmr" typeface="DaunPenh"/>
-        <a:font script="Knda" typeface="Tunga"/>
-        <a:font script="Guru" typeface="Raavi"/>
-        <a:font script="Cans" typeface="Euphemia"/>
-        <a:font script="Cher" typeface="Plantagenet Cherokee"/>
-        <a:font script="Yiii" typeface="Microsoft Yi Baiti"/>
-        <a:font script="Tibt" typeface="Microsoft Himalaya"/>
-        <a:font script="Thaa" typeface="MV Boli"/>
-        <a:font script="Deva" typeface="Mangal"/>
-        <a:font script="Telu" typeface="Gautami"/>
-        <a:font script="Taml" typeface="Latha"/>
-        <a:font script="Syrc" typeface="Estrangelo Edessa"/>
-        <a:font script="Orya" typeface="Kalinga"/>
-        <a:font script="Mlym" typeface="Kartika"/>
-        <a:font script="Laoo" typeface="DokChampa"/>
-        <a:font script="Sinh" typeface="Iskoola Pota"/>
-        <a:font script="Mong" typeface="Mongolian Baiti"/>
-        <a:font script="Viet" typeface="Tahoma"/>
-        <a:font script="Uigh" typeface="Microsoft Uighur"/>
-        <a:font script="Geor" typeface="Sylfaen"/>
       </a:majorFont>
       <a:minorFont>
-        <a:latin typeface="Century Schoolbook" panose="02040604050505020304"/>
+        <a:latin typeface="Times New Roman"/>
         <a:ea typeface=""/>
         <a:cs typeface=""/>
-        <a:font script="Jpan" typeface="ＭＳ ゴシック"/>
-        <a:font script="Hang" typeface="맑은 고딕"/>
-        <a:font script="Hans" typeface="宋体"/>
-        <a:font script="Hant" typeface="新細明體"/>
-        <a:font script="Arab" typeface="Tahoma"/>
-        <a:font script="Hebr" typeface="Gisha"/>
-        <a:font script="Thai" typeface="DilleniaUPC"/>
-        <a:font script="Ethi" typeface="Nyala"/>
-        <a:font script="Beng" typeface="Vrinda"/>
-        <a:font script="Gujr" typeface="Shruti"/>
-        <a:font script="Khmr" typeface="DaunPenh"/>
-        <a:font script="Knda" typeface="Tunga"/>
-        <a:font script="Guru" typeface="Raavi"/>
-        <a:font script="Cans" typeface="Euphemia"/>
-        <a:font script="Cher" typeface="Plantagenet Cherokee"/>
-        <a:font script="Yiii" typeface="Microsoft Yi Baiti"/>
-        <a:font script="Tibt" typeface="Microsoft Himalaya"/>
-        <a:font script="Thaa" typeface="MV Boli"/>
-        <a:font script="Deva" typeface="Mangal"/>
-        <a:font script="Telu" typeface="Gautami"/>
-        <a:font script="Taml" typeface="Latha"/>
-        <a:font script="Syrc" typeface="Estrangelo Edessa"/>
-        <a:font script="Orya" typeface="Kalinga"/>
-        <a:font script="Mlym" typeface="Kartika"/>
-        <a:font script="Laoo" typeface="DokChampa"/>
-        <a:font script="Sinh" typeface="Iskoola Pota"/>
-        <a:font script="Mong" typeface="Mongolian Baiti"/>
-        <a:font script="Viet" typeface="Verdana"/>
-        <a:font script="Uigh" typeface="Microsoft Uighur"/>
-        <a:font script="Geor" typeface="Sylfaen"/>
       </a:minorFont>
     </a:fontScheme>
     <a:fmtScheme name="View">

--- a/docs/Pres.pptx
+++ b/docs/Pres.pptx
@@ -318,7 +318,7 @@
           <a:p>
             <a:fld id="{FE3A95D5-F2B9-42F8-8912-B870847ACF91}" type="datetimeFigureOut">
               <a:rPr lang="en-US" smtClean="0"/>
-              <a:t>4/17/2017</a:t>
+              <a:t>4/20/2017</a:t>
             </a:fld>
             <a:endParaRPr lang="en-US" dirty="0"/>
           </a:p>
@@ -528,7 +528,7 @@
           <a:p>
             <a:fld id="{FE3A95D5-F2B9-42F8-8912-B870847ACF91}" type="datetimeFigureOut">
               <a:rPr lang="en-US" smtClean="0"/>
-              <a:t>4/17/2017</a:t>
+              <a:t>4/20/2017</a:t>
             </a:fld>
             <a:endParaRPr lang="en-US" dirty="0"/>
           </a:p>
@@ -708,7 +708,7 @@
           <a:p>
             <a:fld id="{FE3A95D5-F2B9-42F8-8912-B870847ACF91}" type="datetimeFigureOut">
               <a:rPr lang="en-US" smtClean="0"/>
-              <a:t>4/17/2017</a:t>
+              <a:t>4/20/2017</a:t>
             </a:fld>
             <a:endParaRPr lang="en-US" dirty="0"/>
           </a:p>
@@ -878,7 +878,7 @@
           <a:p>
             <a:fld id="{FE3A95D5-F2B9-42F8-8912-B870847ACF91}" type="datetimeFigureOut">
               <a:rPr lang="en-US" smtClean="0"/>
-              <a:t>4/17/2017</a:t>
+              <a:t>4/20/2017</a:t>
             </a:fld>
             <a:endParaRPr lang="en-US" dirty="0"/>
           </a:p>
@@ -1132,7 +1132,7 @@
           <a:p>
             <a:fld id="{FE3A95D5-F2B9-42F8-8912-B870847ACF91}" type="datetimeFigureOut">
               <a:rPr lang="en-US" smtClean="0"/>
-              <a:t>4/17/2017</a:t>
+              <a:t>4/20/2017</a:t>
             </a:fld>
             <a:endParaRPr lang="en-US" dirty="0"/>
           </a:p>
@@ -1458,7 +1458,7 @@
           <a:p>
             <a:fld id="{FE3A95D5-F2B9-42F8-8912-B870847ACF91}" type="datetimeFigureOut">
               <a:rPr lang="en-US" smtClean="0"/>
-              <a:t>4/17/2017</a:t>
+              <a:t>4/20/2017</a:t>
             </a:fld>
             <a:endParaRPr lang="en-US" dirty="0"/>
           </a:p>
@@ -1909,7 +1909,7 @@
           <a:p>
             <a:fld id="{FE3A95D5-F2B9-42F8-8912-B870847ACF91}" type="datetimeFigureOut">
               <a:rPr lang="en-US" smtClean="0"/>
-              <a:t>4/17/2017</a:t>
+              <a:t>4/20/2017</a:t>
             </a:fld>
             <a:endParaRPr lang="en-US" dirty="0"/>
           </a:p>
@@ -2027,7 +2027,7 @@
           <a:p>
             <a:fld id="{FE3A95D5-F2B9-42F8-8912-B870847ACF91}" type="datetimeFigureOut">
               <a:rPr lang="en-US" smtClean="0"/>
-              <a:t>4/17/2017</a:t>
+              <a:t>4/20/2017</a:t>
             </a:fld>
             <a:endParaRPr lang="en-US" dirty="0"/>
           </a:p>
@@ -2122,7 +2122,7 @@
           <a:p>
             <a:fld id="{FE3A95D5-F2B9-42F8-8912-B870847ACF91}" type="datetimeFigureOut">
               <a:rPr lang="en-US" smtClean="0"/>
-              <a:t>4/17/2017</a:t>
+              <a:t>4/20/2017</a:t>
             </a:fld>
             <a:endParaRPr lang="en-US" dirty="0"/>
           </a:p>
@@ -2409,7 +2409,7 @@
           <a:p>
             <a:fld id="{FE3A95D5-F2B9-42F8-8912-B870847ACF91}" type="datetimeFigureOut">
               <a:rPr lang="en-US" smtClean="0"/>
-              <a:t>4/17/2017</a:t>
+              <a:t>4/20/2017</a:t>
             </a:fld>
             <a:endParaRPr lang="en-US" dirty="0"/>
           </a:p>
@@ -2726,7 +2726,7 @@
           <a:p>
             <a:fld id="{FE3A95D5-F2B9-42F8-8912-B870847ACF91}" type="datetimeFigureOut">
               <a:rPr lang="en-US" smtClean="0"/>
-              <a:t>4/17/2017</a:t>
+              <a:t>4/20/2017</a:t>
             </a:fld>
             <a:endParaRPr lang="en-US" dirty="0"/>
           </a:p>
@@ -2978,7 +2978,7 @@
           <a:p>
             <a:fld id="{FE3A95D5-F2B9-42F8-8912-B870847ACF91}" type="datetimeFigureOut">
               <a:rPr lang="en-US" smtClean="0"/>
-              <a:t>4/17/2017</a:t>
+              <a:t>4/20/2017</a:t>
             </a:fld>
             <a:endParaRPr lang="en-US" dirty="0"/>
           </a:p>
@@ -4675,14 +4675,24 @@
           <a:lstStyle/>
           <a:p>
             <a:r>
-              <a:rPr lang="en-US" sz="2800" dirty="0">
+              <a:rPr lang="en-US" sz="2800" smtClean="0">
                 <a:solidFill>
                   <a:schemeClr val="tx1"/>
                 </a:solidFill>
                 <a:latin typeface="Times New Roman" panose="02020603050405020304" pitchFamily="18" charset="0"/>
                 <a:cs typeface="Times New Roman" panose="02020603050405020304" pitchFamily="18" charset="0"/>
               </a:rPr>
-              <a:t>An encryption and decryption mail system. </a:t>
+              <a:t>A mail </a:t>
+            </a:r>
+            <a:r>
+              <a:rPr lang="en-US" sz="2800" dirty="0">
+                <a:solidFill>
+                  <a:schemeClr val="tx1"/>
+                </a:solidFill>
+                <a:latin typeface="Times New Roman" panose="02020603050405020304" pitchFamily="18" charset="0"/>
+                <a:cs typeface="Times New Roman" panose="02020603050405020304" pitchFamily="18" charset="0"/>
+              </a:rPr>
+              <a:t>system. </a:t>
             </a:r>
           </a:p>
         </p:txBody>
@@ -4850,15 +4860,7 @@
                   <a:schemeClr val="tx1"/>
                 </a:solidFill>
               </a:rPr>
-              <a:t>Programing Language</a:t>
-            </a:r>
-            <a:r>
-              <a:rPr lang="en-US" sz="2800" b="1" dirty="0" smtClean="0">
-                <a:solidFill>
-                  <a:schemeClr val="tx1"/>
-                </a:solidFill>
-              </a:rPr>
-              <a:t>: </a:t>
+              <a:t>Programing Language: </a:t>
             </a:r>
             <a:r>
               <a:rPr lang="en-US" sz="2800" dirty="0" smtClean="0">
@@ -4958,11 +4960,6 @@
               </a:rPr>
               <a:t>VersionOne</a:t>
             </a:r>
-            <a:endParaRPr lang="en-US" sz="2800" dirty="0" smtClean="0">
-              <a:solidFill>
-                <a:schemeClr val="tx1"/>
-              </a:solidFill>
-            </a:endParaRPr>
           </a:p>
           <a:p>
             <a:endParaRPr lang="en-US" sz="2800" dirty="0">
